--- a/Figure-4-6/Figure46/Figure46_fullslide_169.pptx
+++ b/Figure-4-6/Figure46/Figure46_fullslide_169.pptx
@@ -861,6 +861,300 @@
             <a:r>
               <a:rPr/>
               <a:t>2020-21</a:t>
+            </a:r>
+          </a:p>
+          <a:p>
+            <a:pPr lvl="0" marL="0" indent="0">
+              <a:buNone/>
+            </a:pPr>
+          </a:p>
+          <a:p>
+            <a:pPr lvl="0" marL="0" indent="0">
+              <a:buNone/>
+            </a:pPr>
+            <a:r>
+              <a:rPr/>
+              <a:t>Notes:</a:t>
+            </a:r>
+            <a:r>
+              <a:rPr/>
+              <a:t> </a:t>
+            </a:r>
+            <a:r>
+              <a:rPr/>
+              <a:t>Projections</a:t>
+            </a:r>
+            <a:r>
+              <a:rPr/>
+              <a:t> </a:t>
+            </a:r>
+            <a:r>
+              <a:rPr/>
+              <a:t>to</a:t>
+            </a:r>
+            <a:r>
+              <a:rPr/>
+              <a:t> </a:t>
+            </a:r>
+            <a:r>
+              <a:rPr/>
+              <a:t>2020-21</a:t>
+            </a:r>
+            <a:r>
+              <a:rPr/>
+              <a:t> </a:t>
+            </a:r>
+            <a:r>
+              <a:rPr/>
+              <a:t>assume</a:t>
+            </a:r>
+            <a:r>
+              <a:rPr/>
+              <a:t> </a:t>
+            </a:r>
+            <a:r>
+              <a:rPr/>
+              <a:t>2%</a:t>
+            </a:r>
+            <a:r>
+              <a:rPr/>
+              <a:t> </a:t>
+            </a:r>
+            <a:r>
+              <a:rPr/>
+              <a:t>wage</a:t>
+            </a:r>
+            <a:r>
+              <a:rPr/>
+              <a:t> </a:t>
+            </a:r>
+            <a:r>
+              <a:rPr/>
+              <a:t>growth</a:t>
+            </a:r>
+            <a:r>
+              <a:rPr/>
+              <a:t> </a:t>
+            </a:r>
+            <a:r>
+              <a:rPr/>
+              <a:t>and</a:t>
+            </a:r>
+            <a:r>
+              <a:rPr/>
+              <a:t> </a:t>
+            </a:r>
+            <a:r>
+              <a:rPr/>
+              <a:t>0%</a:t>
+            </a:r>
+            <a:r>
+              <a:rPr/>
+              <a:t> </a:t>
+            </a:r>
+            <a:r>
+              <a:rPr/>
+              <a:t>growth</a:t>
+            </a:r>
+            <a:r>
+              <a:rPr/>
+              <a:t> </a:t>
+            </a:r>
+            <a:r>
+              <a:rPr/>
+              <a:t>in</a:t>
+            </a:r>
+            <a:r>
+              <a:rPr/>
+              <a:t> </a:t>
+            </a:r>
+            <a:r>
+              <a:rPr/>
+              <a:t>the</a:t>
+            </a:r>
+            <a:r>
+              <a:rPr/>
+              <a:t> </a:t>
+            </a:r>
+            <a:r>
+              <a:rPr/>
+              <a:t>number</a:t>
+            </a:r>
+            <a:r>
+              <a:rPr/>
+              <a:t> </a:t>
+            </a:r>
+            <a:r>
+              <a:rPr/>
+              <a:t>of</a:t>
+            </a:r>
+            <a:r>
+              <a:rPr/>
+              <a:t> </a:t>
+            </a:r>
+            <a:r>
+              <a:rPr/>
+              <a:t>taxfilers</a:t>
+            </a:r>
+            <a:r>
+              <a:rPr/>
+              <a:t> </a:t>
+            </a:r>
+            <a:r>
+              <a:rPr/>
+              <a:t>from</a:t>
+            </a:r>
+            <a:r>
+              <a:rPr/>
+              <a:t> </a:t>
+            </a:r>
+            <a:r>
+              <a:rPr/>
+              <a:t>2019-20</a:t>
+            </a:r>
+            <a:r>
+              <a:rPr/>
+              <a:t> </a:t>
+            </a:r>
+            <a:r>
+              <a:rPr/>
+              <a:t>to</a:t>
+            </a:r>
+            <a:r>
+              <a:rPr/>
+              <a:t> </a:t>
+            </a:r>
+            <a:r>
+              <a:rPr/>
+              <a:t>2020-21.</a:t>
+            </a:r>
+            <a:r>
+              <a:rPr/>
+              <a:t> </a:t>
+            </a:r>
+            <a:r>
+              <a:rPr/>
+              <a:t>Non-voluntary</a:t>
+            </a:r>
+            <a:r>
+              <a:rPr/>
+              <a:t> </a:t>
+            </a:r>
+            <a:r>
+              <a:rPr/>
+              <a:t>component</a:t>
+            </a:r>
+            <a:r>
+              <a:rPr/>
+              <a:t> </a:t>
+            </a:r>
+            <a:r>
+              <a:rPr/>
+              <a:t>means</a:t>
+            </a:r>
+            <a:r>
+              <a:rPr/>
+              <a:t> </a:t>
+            </a:r>
+            <a:r>
+              <a:rPr/>
+              <a:t>employer</a:t>
+            </a:r>
+            <a:r>
+              <a:rPr/>
+              <a:t> </a:t>
+            </a:r>
+            <a:r>
+              <a:rPr/>
+              <a:t>contributions</a:t>
+            </a:r>
+            <a:r>
+              <a:rPr/>
+              <a:t> </a:t>
+            </a:r>
+            <a:r>
+              <a:rPr/>
+              <a:t>less</a:t>
+            </a:r>
+            <a:r>
+              <a:rPr/>
+              <a:t> </a:t>
+            </a:r>
+            <a:r>
+              <a:rPr/>
+              <a:t>reportable</a:t>
+            </a:r>
+            <a:r>
+              <a:rPr/>
+              <a:t> </a:t>
+            </a:r>
+            <a:r>
+              <a:rPr/>
+              <a:t>employer</a:t>
+            </a:r>
+            <a:r>
+              <a:rPr/>
+              <a:t> </a:t>
+            </a:r>
+            <a:r>
+              <a:rPr/>
+              <a:t>super</a:t>
+            </a:r>
+            <a:r>
+              <a:rPr/>
+              <a:t> </a:t>
+            </a:r>
+            <a:r>
+              <a:rPr/>
+              <a:t>contributions.</a:t>
+            </a:r>
+            <a:r>
+              <a:rPr/>
+              <a:t> </a:t>
+            </a:r>
+            <a:r>
+              <a:rPr/>
+              <a:t>Source:</a:t>
+            </a:r>
+            <a:r>
+              <a:rPr/>
+              <a:t> </a:t>
+            </a:r>
+            <a:r>
+              <a:rPr/>
+              <a:t>ATO</a:t>
+            </a:r>
+            <a:r>
+              <a:rPr/>
+              <a:t> </a:t>
+            </a:r>
+            <a:r>
+              <a:rPr/>
+              <a:t>2017-18</a:t>
+            </a:r>
+            <a:r>
+              <a:rPr/>
+              <a:t> </a:t>
+            </a:r>
+            <a:r>
+              <a:rPr/>
+              <a:t>2%</a:t>
+            </a:r>
+            <a:r>
+              <a:rPr/>
+              <a:t> </a:t>
+            </a:r>
+            <a:r>
+              <a:rPr/>
+              <a:t>sample</a:t>
+            </a:r>
+            <a:r>
+              <a:rPr/>
+              <a:t> </a:t>
+            </a:r>
+            <a:r>
+              <a:rPr/>
+              <a:t>file</a:t>
             </a:r>
           </a:p>
           <a:p>
@@ -4208,8 +4502,8 @@
           </p:nvSpPr>
           <p:spPr>
             <a:xfrm>
-              <a:off x="850747" y="1412776"/>
-              <a:ext cx="10800000" cy="5445224"/>
+              <a:off x="11650748" y="1412776"/>
+              <a:ext cx="0" cy="5445224"/>
             </a:xfrm>
             <a:prstGeom prst="rect">
               <a:avLst/>
@@ -4235,7 +4529,7 @@
           <p:spPr>
             <a:xfrm>
               <a:off x="1781393" y="1898157"/>
-              <a:ext cx="4788373" cy="4358641"/>
+              <a:ext cx="4788373" cy="3777288"/>
             </a:xfrm>
             <a:prstGeom prst="rect">
               <a:avLst/>
@@ -4260,7 +4554,7 @@
           </p:nvSpPr>
           <p:spPr>
             <a:xfrm>
-              <a:off x="1781393" y="6256799"/>
+              <a:off x="1781393" y="5675446"/>
               <a:ext cx="4788373" cy="0"/>
             </a:xfrm>
             <a:custGeom>
@@ -4303,7 +4597,7 @@
           </p:nvSpPr>
           <p:spPr>
             <a:xfrm>
-              <a:off x="1781393" y="5172624"/>
+              <a:off x="1781393" y="4735878"/>
               <a:ext cx="4788373" cy="0"/>
             </a:xfrm>
             <a:custGeom>
@@ -4346,7 +4640,7 @@
           </p:nvSpPr>
           <p:spPr>
             <a:xfrm>
-              <a:off x="1781393" y="4088448"/>
+              <a:off x="1781393" y="3796309"/>
               <a:ext cx="4788373" cy="0"/>
             </a:xfrm>
             <a:custGeom>
@@ -4389,7 +4683,7 @@
           </p:nvSpPr>
           <p:spPr>
             <a:xfrm>
-              <a:off x="1781393" y="3004273"/>
+              <a:off x="1781393" y="2856740"/>
               <a:ext cx="4788373" cy="0"/>
             </a:xfrm>
             <a:custGeom>
@@ -4432,7 +4726,7 @@
           </p:nvSpPr>
           <p:spPr>
             <a:xfrm>
-              <a:off x="1781393" y="1920098"/>
+              <a:off x="1781393" y="1917171"/>
               <a:ext cx="4788373" cy="0"/>
             </a:xfrm>
             <a:custGeom>
@@ -4475,8 +4769,8 @@
           </p:nvSpPr>
           <p:spPr>
             <a:xfrm>
-              <a:off x="1851810" y="6226491"/>
-              <a:ext cx="422503" cy="14031"/>
+              <a:off x="1851810" y="5649181"/>
+              <a:ext cx="422503" cy="12160"/>
             </a:xfrm>
             <a:prstGeom prst="rect">
               <a:avLst/>
@@ -4510,8 +4804,8 @@
           </p:nvSpPr>
           <p:spPr>
             <a:xfrm>
-              <a:off x="1851810" y="6240522"/>
-              <a:ext cx="422503" cy="16276"/>
+              <a:off x="1851810" y="5661341"/>
+              <a:ext cx="422503" cy="14105"/>
             </a:xfrm>
             <a:prstGeom prst="rect">
               <a:avLst/>
@@ -4545,8 +4839,8 @@
           </p:nvSpPr>
           <p:spPr>
             <a:xfrm>
-              <a:off x="2321259" y="6216949"/>
-              <a:ext cx="422503" cy="7296"/>
+              <a:off x="2321259" y="5640912"/>
+              <a:ext cx="422503" cy="6323"/>
             </a:xfrm>
             <a:prstGeom prst="rect">
               <a:avLst/>
@@ -4580,8 +4874,8 @@
           </p:nvSpPr>
           <p:spPr>
             <a:xfrm>
-              <a:off x="2321259" y="6224246"/>
-              <a:ext cx="422503" cy="32553"/>
+              <a:off x="2321259" y="5647235"/>
+              <a:ext cx="422503" cy="28211"/>
             </a:xfrm>
             <a:prstGeom prst="rect">
               <a:avLst/>
@@ -4615,8 +4909,8 @@
           </p:nvSpPr>
           <p:spPr>
             <a:xfrm>
-              <a:off x="2790707" y="6192534"/>
-              <a:ext cx="422503" cy="12067"/>
+              <a:off x="2790707" y="5619753"/>
+              <a:ext cx="422503" cy="10457"/>
             </a:xfrm>
             <a:prstGeom prst="rect">
               <a:avLst/>
@@ -4650,8 +4944,8 @@
           </p:nvSpPr>
           <p:spPr>
             <a:xfrm>
-              <a:off x="2790707" y="6204601"/>
-              <a:ext cx="422503" cy="52197"/>
+              <a:off x="2790707" y="5630211"/>
+              <a:ext cx="422503" cy="45235"/>
             </a:xfrm>
             <a:prstGeom prst="rect">
               <a:avLst/>
@@ -4685,8 +4979,8 @@
           </p:nvSpPr>
           <p:spPr>
             <a:xfrm>
-              <a:off x="3260155" y="6146230"/>
-              <a:ext cx="422503" cy="21889"/>
+              <a:off x="3260155" y="5579625"/>
+              <a:ext cx="422503" cy="18969"/>
             </a:xfrm>
             <a:prstGeom prst="rect">
               <a:avLst/>
@@ -4720,8 +5014,8 @@
           </p:nvSpPr>
           <p:spPr>
             <a:xfrm>
-              <a:off x="3260155" y="6168119"/>
-              <a:ext cx="422503" cy="88679"/>
+              <a:off x="3260155" y="5598595"/>
+              <a:ext cx="422503" cy="76851"/>
             </a:xfrm>
             <a:prstGeom prst="rect">
               <a:avLst/>
@@ -4755,8 +5049,8 @@
           </p:nvSpPr>
           <p:spPr>
             <a:xfrm>
-              <a:off x="3729604" y="6108906"/>
-              <a:ext cx="422503" cy="31150"/>
+              <a:off x="3729604" y="5547279"/>
+              <a:ext cx="422503" cy="26995"/>
             </a:xfrm>
             <a:prstGeom prst="rect">
               <a:avLst/>
@@ -4790,8 +5084,8 @@
           </p:nvSpPr>
           <p:spPr>
             <a:xfrm>
-              <a:off x="3729604" y="6140056"/>
-              <a:ext cx="422503" cy="116742"/>
+              <a:off x="3729604" y="5574275"/>
+              <a:ext cx="422503" cy="101171"/>
             </a:xfrm>
             <a:prstGeom prst="rect">
               <a:avLst/>
@@ -4825,8 +5119,8 @@
           </p:nvSpPr>
           <p:spPr>
             <a:xfrm>
-              <a:off x="4199052" y="6088139"/>
-              <a:ext cx="422503" cy="39569"/>
+              <a:off x="4199052" y="5529282"/>
+              <a:ext cx="422503" cy="34291"/>
             </a:xfrm>
             <a:prstGeom prst="rect">
               <a:avLst/>
@@ -4860,8 +5154,8 @@
           </p:nvSpPr>
           <p:spPr>
             <a:xfrm>
-              <a:off x="4199052" y="6127708"/>
-              <a:ext cx="422503" cy="129090"/>
+              <a:off x="4199052" y="5563574"/>
+              <a:ext cx="422503" cy="111872"/>
             </a:xfrm>
             <a:prstGeom prst="rect">
               <a:avLst/>
@@ -4895,8 +5189,8 @@
           </p:nvSpPr>
           <p:spPr>
             <a:xfrm>
-              <a:off x="4668500" y="5940807"/>
-              <a:ext cx="422503" cy="85592"/>
+              <a:off x="4668500" y="5401602"/>
+              <a:ext cx="422503" cy="74176"/>
             </a:xfrm>
             <a:prstGeom prst="rect">
               <a:avLst/>
@@ -4930,8 +5224,8 @@
           </p:nvSpPr>
           <p:spPr>
             <a:xfrm>
-              <a:off x="4668500" y="6026400"/>
-              <a:ext cx="422503" cy="230398"/>
+              <a:off x="4668500" y="5475778"/>
+              <a:ext cx="422503" cy="199668"/>
             </a:xfrm>
             <a:prstGeom prst="rect">
               <a:avLst/>
@@ -4965,8 +5259,8 @@
           </p:nvSpPr>
           <p:spPr>
             <a:xfrm>
-              <a:off x="5137949" y="5609943"/>
-              <a:ext cx="422503" cy="278667"/>
+              <a:off x="5137949" y="5114867"/>
+              <a:ext cx="422503" cy="241498"/>
             </a:xfrm>
             <a:prstGeom prst="rect">
               <a:avLst/>
@@ -5000,8 +5294,8 @@
           </p:nvSpPr>
           <p:spPr>
             <a:xfrm>
-              <a:off x="5137949" y="5888610"/>
-              <a:ext cx="422503" cy="368188"/>
+              <a:off x="5137949" y="5356366"/>
+              <a:ext cx="422503" cy="319080"/>
             </a:xfrm>
             <a:prstGeom prst="rect">
               <a:avLst/>
@@ -5035,8 +5329,8 @@
           </p:nvSpPr>
           <p:spPr>
             <a:xfrm>
-              <a:off x="5607397" y="4534842"/>
-              <a:ext cx="422503" cy="1286977"/>
+              <a:off x="5607397" y="4183163"/>
+              <a:ext cx="422503" cy="1115321"/>
             </a:xfrm>
             <a:prstGeom prst="rect">
               <a:avLst/>
@@ -5070,8 +5364,8 @@
           </p:nvSpPr>
           <p:spPr>
             <a:xfrm>
-              <a:off x="5607397" y="5821820"/>
-              <a:ext cx="422503" cy="434979"/>
+              <a:off x="5607397" y="5298484"/>
+              <a:ext cx="422503" cy="376962"/>
             </a:xfrm>
             <a:prstGeom prst="rect">
               <a:avLst/>
@@ -5105,8 +5399,8 @@
           </p:nvSpPr>
           <p:spPr>
             <a:xfrm>
-              <a:off x="6076845" y="1962571"/>
-              <a:ext cx="422503" cy="3853074"/>
+              <a:off x="6076845" y="1953979"/>
+              <a:ext cx="422503" cy="3339154"/>
             </a:xfrm>
             <a:prstGeom prst="rect">
               <a:avLst/>
@@ -5140,8 +5434,8 @@
           </p:nvSpPr>
           <p:spPr>
             <a:xfrm>
-              <a:off x="6076845" y="5815646"/>
-              <a:ext cx="422503" cy="441153"/>
+              <a:off x="6076845" y="5293134"/>
+              <a:ext cx="422503" cy="382312"/>
             </a:xfrm>
             <a:prstGeom prst="rect">
               <a:avLst/>
@@ -5176,7 +5470,7 @@
           <p:spPr>
             <a:xfrm>
               <a:off x="6752646" y="1898157"/>
-              <a:ext cx="4788373" cy="4358641"/>
+              <a:ext cx="4788373" cy="3777288"/>
             </a:xfrm>
             <a:prstGeom prst="rect">
               <a:avLst/>
@@ -5201,7 +5495,7 @@
           </p:nvSpPr>
           <p:spPr>
             <a:xfrm>
-              <a:off x="6752646" y="6256799"/>
+              <a:off x="6752646" y="5675446"/>
               <a:ext cx="4788373" cy="0"/>
             </a:xfrm>
             <a:custGeom>
@@ -5244,7 +5538,7 @@
           </p:nvSpPr>
           <p:spPr>
             <a:xfrm>
-              <a:off x="6752646" y="5172624"/>
+              <a:off x="6752646" y="4735878"/>
               <a:ext cx="4788373" cy="0"/>
             </a:xfrm>
             <a:custGeom>
@@ -5287,7 +5581,7 @@
           </p:nvSpPr>
           <p:spPr>
             <a:xfrm>
-              <a:off x="6752646" y="4088448"/>
+              <a:off x="6752646" y="3796309"/>
               <a:ext cx="4788373" cy="0"/>
             </a:xfrm>
             <a:custGeom>
@@ -5330,7 +5624,7 @@
           </p:nvSpPr>
           <p:spPr>
             <a:xfrm>
-              <a:off x="6752646" y="3004273"/>
+              <a:off x="6752646" y="2856740"/>
               <a:ext cx="4788373" cy="0"/>
             </a:xfrm>
             <a:custGeom>
@@ -5373,7 +5667,7 @@
           </p:nvSpPr>
           <p:spPr>
             <a:xfrm>
-              <a:off x="6752646" y="1920098"/>
+              <a:off x="6752646" y="1917171"/>
               <a:ext cx="4788373" cy="0"/>
             </a:xfrm>
             <a:custGeom>
@@ -5416,8 +5710,8 @@
           </p:nvSpPr>
           <p:spPr>
             <a:xfrm>
-              <a:off x="6823063" y="6233787"/>
-              <a:ext cx="422503" cy="5893"/>
+              <a:off x="6823063" y="5655504"/>
+              <a:ext cx="422503" cy="5107"/>
             </a:xfrm>
             <a:prstGeom prst="rect">
               <a:avLst/>
@@ -5451,8 +5745,8 @@
           </p:nvSpPr>
           <p:spPr>
             <a:xfrm>
-              <a:off x="6823063" y="6239680"/>
-              <a:ext cx="422503" cy="17118"/>
+              <a:off x="6823063" y="5660611"/>
+              <a:ext cx="422503" cy="14835"/>
             </a:xfrm>
             <a:prstGeom prst="rect">
               <a:avLst/>
@@ -5486,8 +5780,8 @@
           </p:nvSpPr>
           <p:spPr>
             <a:xfrm>
-              <a:off x="7292512" y="6214423"/>
-              <a:ext cx="422503" cy="5332"/>
+              <a:off x="7292512" y="5638723"/>
+              <a:ext cx="422503" cy="4620"/>
             </a:xfrm>
             <a:prstGeom prst="rect">
               <a:avLst/>
@@ -5521,8 +5815,8 @@
           </p:nvSpPr>
           <p:spPr>
             <a:xfrm>
-              <a:off x="7292512" y="6219756"/>
-              <a:ext cx="422503" cy="37043"/>
+              <a:off x="7292512" y="5643344"/>
+              <a:ext cx="422503" cy="32102"/>
             </a:xfrm>
             <a:prstGeom prst="rect">
               <a:avLst/>
@@ -5556,8 +5850,8 @@
           </p:nvSpPr>
           <p:spPr>
             <a:xfrm>
-              <a:off x="7761960" y="6159139"/>
-              <a:ext cx="422503" cy="12909"/>
+              <a:off x="7761960" y="5590812"/>
+              <a:ext cx="422503" cy="11187"/>
             </a:xfrm>
             <a:prstGeom prst="rect">
               <a:avLst/>
@@ -5591,8 +5885,8 @@
           </p:nvSpPr>
           <p:spPr>
             <a:xfrm>
-              <a:off x="7761960" y="6172048"/>
-              <a:ext cx="422503" cy="84750"/>
+              <a:off x="7761960" y="5602000"/>
+              <a:ext cx="422503" cy="73446"/>
             </a:xfrm>
             <a:prstGeom prst="rect">
               <a:avLst/>
@@ -5626,8 +5920,8 @@
           </p:nvSpPr>
           <p:spPr>
             <a:xfrm>
-              <a:off x="8231409" y="6128550"/>
-              <a:ext cx="422503" cy="12909"/>
+              <a:off x="8231409" y="5564303"/>
+              <a:ext cx="422503" cy="11187"/>
             </a:xfrm>
             <a:prstGeom prst="rect">
               <a:avLst/>
@@ -5661,8 +5955,8 @@
           </p:nvSpPr>
           <p:spPr>
             <a:xfrm>
-              <a:off x="8231409" y="6141459"/>
-              <a:ext cx="422503" cy="115339"/>
+              <a:off x="8231409" y="5575491"/>
+              <a:ext cx="422503" cy="99955"/>
             </a:xfrm>
             <a:prstGeom prst="rect">
               <a:avLst/>
@@ -5696,8 +5990,8 @@
           </p:nvSpPr>
           <p:spPr>
             <a:xfrm>
-              <a:off x="8700857" y="6077475"/>
-              <a:ext cx="422503" cy="27782"/>
+              <a:off x="8700857" y="5520041"/>
+              <a:ext cx="422503" cy="24076"/>
             </a:xfrm>
             <a:prstGeom prst="rect">
               <a:avLst/>
@@ -5731,8 +6025,8 @@
           </p:nvSpPr>
           <p:spPr>
             <a:xfrm>
-              <a:off x="8700857" y="6105258"/>
-              <a:ext cx="422503" cy="151541"/>
+              <a:off x="8700857" y="5544118"/>
+              <a:ext cx="422503" cy="131328"/>
             </a:xfrm>
             <a:prstGeom prst="rect">
               <a:avLst/>
@@ -5766,8 +6060,8 @@
           </p:nvSpPr>
           <p:spPr>
             <a:xfrm>
-              <a:off x="9170305" y="6024716"/>
-              <a:ext cx="422503" cy="31711"/>
+              <a:off x="9170305" y="5474319"/>
+              <a:ext cx="422503" cy="27481"/>
             </a:xfrm>
             <a:prstGeom prst="rect">
               <a:avLst/>
@@ -5801,8 +6095,8 @@
           </p:nvSpPr>
           <p:spPr>
             <a:xfrm>
-              <a:off x="9170305" y="6056428"/>
-              <a:ext cx="422503" cy="200371"/>
+              <a:off x="9170305" y="5501801"/>
+              <a:ext cx="422503" cy="173645"/>
             </a:xfrm>
             <a:prstGeom prst="rect">
               <a:avLst/>
@@ -5836,8 +6130,8 @@
           </p:nvSpPr>
           <p:spPr>
             <a:xfrm>
-              <a:off x="9639754" y="5908254"/>
-              <a:ext cx="422503" cy="76051"/>
+              <a:off x="9639754" y="5373390"/>
+              <a:ext cx="422503" cy="65907"/>
             </a:xfrm>
             <a:prstGeom prst="rect">
               <a:avLst/>
@@ -5871,8 +6165,8 @@
           </p:nvSpPr>
           <p:spPr>
             <a:xfrm>
-              <a:off x="9639754" y="5984305"/>
-              <a:ext cx="422503" cy="272493"/>
+              <a:off x="9639754" y="5439298"/>
+              <a:ext cx="422503" cy="236148"/>
             </a:xfrm>
             <a:prstGeom prst="rect">
               <a:avLst/>
@@ -5906,8 +6200,8 @@
           </p:nvSpPr>
           <p:spPr>
             <a:xfrm>
-              <a:off x="10109202" y="5654563"/>
-              <a:ext cx="422503" cy="240220"/>
+              <a:off x="10109202" y="5153536"/>
+              <a:ext cx="422503" cy="208180"/>
             </a:xfrm>
             <a:prstGeom prst="rect">
               <a:avLst/>
@@ -5941,8 +6235,8 @@
           </p:nvSpPr>
           <p:spPr>
             <a:xfrm>
-              <a:off x="10109202" y="5894784"/>
-              <a:ext cx="422503" cy="362015"/>
+              <a:off x="10109202" y="5361717"/>
+              <a:ext cx="422503" cy="313729"/>
             </a:xfrm>
             <a:prstGeom prst="rect">
               <a:avLst/>
@@ -5976,8 +6270,8 @@
           </p:nvSpPr>
           <p:spPr>
             <a:xfrm>
-              <a:off x="10578650" y="5136236"/>
-              <a:ext cx="422503" cy="817761"/>
+              <a:off x="10578650" y="4704343"/>
+              <a:ext cx="422503" cy="708688"/>
             </a:xfrm>
             <a:prstGeom prst="rect">
               <a:avLst/>
@@ -6011,8 +6305,8 @@
           </p:nvSpPr>
           <p:spPr>
             <a:xfrm>
-              <a:off x="10578650" y="5953997"/>
-              <a:ext cx="422503" cy="302801"/>
+              <a:off x="10578650" y="5413032"/>
+              <a:ext cx="422503" cy="262414"/>
             </a:xfrm>
             <a:prstGeom prst="rect">
               <a:avLst/>
@@ -6046,8 +6340,8 @@
           </p:nvSpPr>
           <p:spPr>
             <a:xfrm>
-              <a:off x="11048099" y="4842415"/>
-              <a:ext cx="422503" cy="1155922"/>
+              <a:off x="11048099" y="4449712"/>
+              <a:ext cx="422503" cy="1001746"/>
             </a:xfrm>
             <a:prstGeom prst="rect">
               <a:avLst/>
@@ -6081,8 +6375,8 @@
           </p:nvSpPr>
           <p:spPr>
             <a:xfrm>
-              <a:off x="11048099" y="5998337"/>
-              <a:ext cx="422503" cy="258461"/>
+              <a:off x="11048099" y="5451458"/>
+              <a:ext cx="422503" cy="223988"/>
             </a:xfrm>
             <a:prstGeom prst="rect">
               <a:avLst/>
@@ -6260,7 +6554,7 @@
           </p:nvSpPr>
           <p:spPr>
             <a:xfrm>
-              <a:off x="1781393" y="6256799"/>
+              <a:off x="1781393" y="5675446"/>
               <a:ext cx="4788373" cy="0"/>
             </a:xfrm>
             <a:custGeom>
@@ -6300,7 +6594,7 @@
           </p:nvSpPr>
           <p:spPr>
             <a:xfrm>
-              <a:off x="2063062" y="6256799"/>
+              <a:off x="2063062" y="5675446"/>
               <a:ext cx="0" cy="56936"/>
             </a:xfrm>
             <a:custGeom>
@@ -6340,7 +6634,7 @@
           </p:nvSpPr>
           <p:spPr>
             <a:xfrm>
-              <a:off x="2532510" y="6256799"/>
+              <a:off x="2532510" y="5675446"/>
               <a:ext cx="0" cy="56936"/>
             </a:xfrm>
             <a:custGeom>
@@ -6380,7 +6674,7 @@
           </p:nvSpPr>
           <p:spPr>
             <a:xfrm>
-              <a:off x="3001959" y="6256799"/>
+              <a:off x="3001959" y="5675446"/>
               <a:ext cx="0" cy="56936"/>
             </a:xfrm>
             <a:custGeom>
@@ -6420,7 +6714,7 @@
           </p:nvSpPr>
           <p:spPr>
             <a:xfrm>
-              <a:off x="3471407" y="6256799"/>
+              <a:off x="3471407" y="5675446"/>
               <a:ext cx="0" cy="56936"/>
             </a:xfrm>
             <a:custGeom>
@@ -6460,7 +6754,7 @@
           </p:nvSpPr>
           <p:spPr>
             <a:xfrm>
-              <a:off x="3940855" y="6256799"/>
+              <a:off x="3940855" y="5675446"/>
               <a:ext cx="0" cy="56936"/>
             </a:xfrm>
             <a:custGeom>
@@ -6500,7 +6794,7 @@
           </p:nvSpPr>
           <p:spPr>
             <a:xfrm>
-              <a:off x="4410304" y="6256799"/>
+              <a:off x="4410304" y="5675446"/>
               <a:ext cx="0" cy="56936"/>
             </a:xfrm>
             <a:custGeom>
@@ -6540,7 +6834,7 @@
           </p:nvSpPr>
           <p:spPr>
             <a:xfrm>
-              <a:off x="4879752" y="6256799"/>
+              <a:off x="4879752" y="5675446"/>
               <a:ext cx="0" cy="56936"/>
             </a:xfrm>
             <a:custGeom>
@@ -6580,7 +6874,7 @@
           </p:nvSpPr>
           <p:spPr>
             <a:xfrm>
-              <a:off x="5349200" y="6256799"/>
+              <a:off x="5349200" y="5675446"/>
               <a:ext cx="0" cy="56936"/>
             </a:xfrm>
             <a:custGeom>
@@ -6620,7 +6914,7 @@
           </p:nvSpPr>
           <p:spPr>
             <a:xfrm>
-              <a:off x="5818649" y="6256799"/>
+              <a:off x="5818649" y="5675446"/>
               <a:ext cx="0" cy="56936"/>
             </a:xfrm>
             <a:custGeom>
@@ -6660,7 +6954,7 @@
           </p:nvSpPr>
           <p:spPr>
             <a:xfrm>
-              <a:off x="6288097" y="6256799"/>
+              <a:off x="6288097" y="5675446"/>
               <a:ext cx="0" cy="56936"/>
             </a:xfrm>
             <a:custGeom>
@@ -6700,7 +6994,7 @@
           </p:nvSpPr>
           <p:spPr>
             <a:xfrm>
-              <a:off x="1999494" y="6358615"/>
+              <a:off x="1999494" y="5777262"/>
               <a:ext cx="127136" cy="164306"/>
             </a:xfrm>
             <a:prstGeom prst="rect">
@@ -6746,7 +7040,7 @@
           </p:nvSpPr>
           <p:spPr>
             <a:xfrm>
-              <a:off x="2468942" y="6358615"/>
+              <a:off x="2468942" y="5777262"/>
               <a:ext cx="127136" cy="164306"/>
             </a:xfrm>
             <a:prstGeom prst="rect">
@@ -6792,7 +7086,7 @@
           </p:nvSpPr>
           <p:spPr>
             <a:xfrm>
-              <a:off x="2938390" y="6355713"/>
+              <a:off x="2938390" y="5774360"/>
               <a:ext cx="127136" cy="167208"/>
             </a:xfrm>
             <a:prstGeom prst="rect">
@@ -6838,7 +7132,7 @@
           </p:nvSpPr>
           <p:spPr>
             <a:xfrm>
-              <a:off x="3407839" y="6359285"/>
+              <a:off x="3407839" y="5777932"/>
               <a:ext cx="127136" cy="163636"/>
             </a:xfrm>
             <a:prstGeom prst="rect">
@@ -6884,7 +7178,7 @@
           </p:nvSpPr>
           <p:spPr>
             <a:xfrm>
-              <a:off x="3877287" y="6358726"/>
+              <a:off x="3877287" y="5777374"/>
               <a:ext cx="127136" cy="164194"/>
             </a:xfrm>
             <a:prstGeom prst="rect">
@@ -6930,7 +7224,7 @@
           </p:nvSpPr>
           <p:spPr>
             <a:xfrm>
-              <a:off x="4346736" y="6355824"/>
+              <a:off x="4346736" y="5774472"/>
               <a:ext cx="127136" cy="167096"/>
             </a:xfrm>
             <a:prstGeom prst="rect">
@@ -6976,7 +7270,7 @@
           </p:nvSpPr>
           <p:spPr>
             <a:xfrm>
-              <a:off x="4816184" y="6361405"/>
+              <a:off x="4816184" y="5780053"/>
               <a:ext cx="127136" cy="161515"/>
             </a:xfrm>
             <a:prstGeom prst="rect">
@@ -7022,7 +7316,7 @@
           </p:nvSpPr>
           <p:spPr>
             <a:xfrm>
-              <a:off x="5285632" y="6355824"/>
+              <a:off x="5285632" y="5774472"/>
               <a:ext cx="127136" cy="167096"/>
             </a:xfrm>
             <a:prstGeom prst="rect">
@@ -7068,7 +7362,7 @@
           </p:nvSpPr>
           <p:spPr>
             <a:xfrm>
-              <a:off x="5755081" y="6355824"/>
+              <a:off x="5755081" y="5774472"/>
               <a:ext cx="127136" cy="167096"/>
             </a:xfrm>
             <a:prstGeom prst="rect">
@@ -7114,7 +7408,7 @@
           </p:nvSpPr>
           <p:spPr>
             <a:xfrm>
-              <a:off x="6160961" y="6355824"/>
+              <a:off x="6160961" y="5774472"/>
               <a:ext cx="254272" cy="167096"/>
             </a:xfrm>
             <a:prstGeom prst="rect">
@@ -7160,7 +7454,7 @@
           </p:nvSpPr>
           <p:spPr>
             <a:xfrm>
-              <a:off x="6752646" y="6256799"/>
+              <a:off x="6752646" y="5675446"/>
               <a:ext cx="4788373" cy="0"/>
             </a:xfrm>
             <a:custGeom>
@@ -7200,7 +7494,7 @@
           </p:nvSpPr>
           <p:spPr>
             <a:xfrm>
-              <a:off x="7034315" y="6256799"/>
+              <a:off x="7034315" y="5675446"/>
               <a:ext cx="0" cy="56936"/>
             </a:xfrm>
             <a:custGeom>
@@ -7240,7 +7534,7 @@
           </p:nvSpPr>
           <p:spPr>
             <a:xfrm>
-              <a:off x="7503764" y="6256799"/>
+              <a:off x="7503764" y="5675446"/>
               <a:ext cx="0" cy="56936"/>
             </a:xfrm>
             <a:custGeom>
@@ -7280,7 +7574,7 @@
           </p:nvSpPr>
           <p:spPr>
             <a:xfrm>
-              <a:off x="7973212" y="6256799"/>
+              <a:off x="7973212" y="5675446"/>
               <a:ext cx="0" cy="56936"/>
             </a:xfrm>
             <a:custGeom>
@@ -7320,7 +7614,7 @@
           </p:nvSpPr>
           <p:spPr>
             <a:xfrm>
-              <a:off x="8442660" y="6256799"/>
+              <a:off x="8442660" y="5675446"/>
               <a:ext cx="0" cy="56936"/>
             </a:xfrm>
             <a:custGeom>
@@ -7360,7 +7654,7 @@
           </p:nvSpPr>
           <p:spPr>
             <a:xfrm>
-              <a:off x="8912109" y="6256799"/>
+              <a:off x="8912109" y="5675446"/>
               <a:ext cx="0" cy="56936"/>
             </a:xfrm>
             <a:custGeom>
@@ -7400,7 +7694,7 @@
           </p:nvSpPr>
           <p:spPr>
             <a:xfrm>
-              <a:off x="9381557" y="6256799"/>
+              <a:off x="9381557" y="5675446"/>
               <a:ext cx="0" cy="56936"/>
             </a:xfrm>
             <a:custGeom>
@@ -7440,7 +7734,7 @@
           </p:nvSpPr>
           <p:spPr>
             <a:xfrm>
-              <a:off x="9851005" y="6256799"/>
+              <a:off x="9851005" y="5675446"/>
               <a:ext cx="0" cy="56936"/>
             </a:xfrm>
             <a:custGeom>
@@ -7480,7 +7774,7 @@
           </p:nvSpPr>
           <p:spPr>
             <a:xfrm>
-              <a:off x="10320454" y="6256799"/>
+              <a:off x="10320454" y="5675446"/>
               <a:ext cx="0" cy="56936"/>
             </a:xfrm>
             <a:custGeom>
@@ -7520,7 +7814,7 @@
           </p:nvSpPr>
           <p:spPr>
             <a:xfrm>
-              <a:off x="10789902" y="6256799"/>
+              <a:off x="10789902" y="5675446"/>
               <a:ext cx="0" cy="56936"/>
             </a:xfrm>
             <a:custGeom>
@@ -7560,7 +7854,7 @@
           </p:nvSpPr>
           <p:spPr>
             <a:xfrm>
-              <a:off x="11259350" y="6256799"/>
+              <a:off x="11259350" y="5675446"/>
               <a:ext cx="0" cy="56936"/>
             </a:xfrm>
             <a:custGeom>
@@ -7600,7 +7894,7 @@
           </p:nvSpPr>
           <p:spPr>
             <a:xfrm>
-              <a:off x="6970747" y="6358615"/>
+              <a:off x="6970747" y="5777262"/>
               <a:ext cx="127136" cy="164306"/>
             </a:xfrm>
             <a:prstGeom prst="rect">
@@ -7646,7 +7940,7 @@
           </p:nvSpPr>
           <p:spPr>
             <a:xfrm>
-              <a:off x="7440195" y="6358615"/>
+              <a:off x="7440195" y="5777262"/>
               <a:ext cx="127136" cy="164306"/>
             </a:xfrm>
             <a:prstGeom prst="rect">
@@ -7692,7 +7986,7 @@
           </p:nvSpPr>
           <p:spPr>
             <a:xfrm>
-              <a:off x="7909644" y="6355713"/>
+              <a:off x="7909644" y="5774360"/>
               <a:ext cx="127136" cy="167208"/>
             </a:xfrm>
             <a:prstGeom prst="rect">
@@ -7738,7 +8032,7 @@
           </p:nvSpPr>
           <p:spPr>
             <a:xfrm>
-              <a:off x="8379092" y="6359285"/>
+              <a:off x="8379092" y="5777932"/>
               <a:ext cx="127136" cy="163636"/>
             </a:xfrm>
             <a:prstGeom prst="rect">
@@ -7784,7 +8078,7 @@
           </p:nvSpPr>
           <p:spPr>
             <a:xfrm>
-              <a:off x="8848540" y="6358726"/>
+              <a:off x="8848540" y="5777374"/>
               <a:ext cx="127136" cy="164194"/>
             </a:xfrm>
             <a:prstGeom prst="rect">
@@ -7830,7 +8124,7 @@
           </p:nvSpPr>
           <p:spPr>
             <a:xfrm>
-              <a:off x="9317989" y="6355824"/>
+              <a:off x="9317989" y="5774472"/>
               <a:ext cx="127136" cy="167096"/>
             </a:xfrm>
             <a:prstGeom prst="rect">
@@ -7876,7 +8170,7 @@
           </p:nvSpPr>
           <p:spPr>
             <a:xfrm>
-              <a:off x="9787437" y="6361405"/>
+              <a:off x="9787437" y="5780053"/>
               <a:ext cx="127136" cy="161515"/>
             </a:xfrm>
             <a:prstGeom prst="rect">
@@ -7922,7 +8216,7 @@
           </p:nvSpPr>
           <p:spPr>
             <a:xfrm>
-              <a:off x="10256886" y="6355824"/>
+              <a:off x="10256886" y="5774472"/>
               <a:ext cx="127136" cy="167096"/>
             </a:xfrm>
             <a:prstGeom prst="rect">
@@ -7968,7 +8262,7 @@
           </p:nvSpPr>
           <p:spPr>
             <a:xfrm>
-              <a:off x="10726334" y="6355824"/>
+              <a:off x="10726334" y="5774472"/>
               <a:ext cx="127136" cy="167096"/>
             </a:xfrm>
             <a:prstGeom prst="rect">
@@ -8014,7 +8308,7 @@
           </p:nvSpPr>
           <p:spPr>
             <a:xfrm>
-              <a:off x="11132214" y="6355824"/>
+              <a:off x="11132214" y="5774472"/>
               <a:ext cx="254272" cy="167096"/>
             </a:xfrm>
             <a:prstGeom prst="rect">
@@ -8060,7 +8354,7 @@
           </p:nvSpPr>
           <p:spPr>
             <a:xfrm>
-              <a:off x="1551771" y="6171520"/>
+              <a:off x="1551771" y="5590168"/>
               <a:ext cx="127136" cy="167096"/>
             </a:xfrm>
             <a:prstGeom prst="rect">
@@ -8106,7 +8400,7 @@
           </p:nvSpPr>
           <p:spPr>
             <a:xfrm>
-              <a:off x="852576" y="5057765"/>
+              <a:off x="852576" y="4621019"/>
               <a:ext cx="826330" cy="196676"/>
             </a:xfrm>
             <a:prstGeom prst="rect">
@@ -8152,7 +8446,7 @@
           </p:nvSpPr>
           <p:spPr>
             <a:xfrm>
-              <a:off x="852576" y="3973590"/>
+              <a:off x="852576" y="3681451"/>
               <a:ext cx="826330" cy="196676"/>
             </a:xfrm>
             <a:prstGeom prst="rect">
@@ -8198,7 +8492,7 @@
           </p:nvSpPr>
           <p:spPr>
             <a:xfrm>
-              <a:off x="852576" y="2889415"/>
+              <a:off x="852576" y="2741882"/>
               <a:ext cx="826330" cy="196676"/>
             </a:xfrm>
             <a:prstGeom prst="rect">
@@ -8244,7 +8538,7 @@
           </p:nvSpPr>
           <p:spPr>
             <a:xfrm>
-              <a:off x="852576" y="1805239"/>
+              <a:off x="852576" y="1802313"/>
               <a:ext cx="826330" cy="196676"/>
             </a:xfrm>
             <a:prstGeom prst="rect">
@@ -8290,7 +8584,7 @@
           </p:nvSpPr>
           <p:spPr>
             <a:xfrm>
-              <a:off x="5523955" y="6625287"/>
+              <a:off x="5523955" y="6043935"/>
               <a:ext cx="2274503" cy="166315"/>
             </a:xfrm>
             <a:prstGeom prst="rect">
@@ -8564,6 +8858,144 @@
                   <a:cs typeface="Arial"/>
                 </a:rPr>
                 <a:t>Voluntary only</a:t>
+              </a:r>
+            </a:p>
+          </p:txBody>
+        </p:sp>
+        <p:sp>
+          <p:nvSpPr>
+            <p:cNvPr id="118" name="tx116"/>
+            <p:cNvSpPr/>
+            <p:nvPr/>
+          </p:nvSpPr>
+          <p:spPr>
+            <a:xfrm>
+              <a:off x="852576" y="6419898"/>
+              <a:ext cx="10113041" cy="119067"/>
+            </a:xfrm>
+            <a:prstGeom prst="rect">
+              <a:avLst/>
+            </a:prstGeom>
+            <a:noFill/>
+          </p:spPr>
+          <p:txBody>
+            <a:bodyPr lIns="0" rIns="0" tIns="0" bIns="0" anchorCtr="1" anchor="ctr" wrap="none"/>
+            <a:lstStyle/>
+            <a:p>
+              <a:pPr algn="l" marL="0" marR="0" indent="0">
+                <a:lnSpc>
+                  <a:spcPts val="999"/>
+                </a:lnSpc>
+                <a:spcBef>
+                  <a:spcPts val="0"/>
+                </a:spcBef>
+                <a:spcAft>
+                  <a:spcPts val="0"/>
+                </a:spcAft>
+              </a:pPr>
+              <a:r>
+                <a:rPr sz="999" i="1">
+                  <a:solidFill>
+                    <a:srgbClr val="000000">
+                      <a:alpha val="100000"/>
+                    </a:srgbClr>
+                  </a:solidFill>
+                  <a:latin typeface="Arial"/>
+                  <a:cs typeface="Arial"/>
+                </a:rPr>
+                <a:t>Notes: Projections to 2020-21 assume 2% wage growth and 0% growth in the number of taxfilers from 2019-20 to 2020-21. Non-voluntary component means employer contributions</a:t>
+              </a:r>
+            </a:p>
+          </p:txBody>
+        </p:sp>
+        <p:sp>
+          <p:nvSpPr>
+            <p:cNvPr id="119" name="tx117"/>
+            <p:cNvSpPr/>
+            <p:nvPr/>
+          </p:nvSpPr>
+          <p:spPr>
+            <a:xfrm>
+              <a:off x="852576" y="6558470"/>
+              <a:ext cx="2531698" cy="117518"/>
+            </a:xfrm>
+            <a:prstGeom prst="rect">
+              <a:avLst/>
+            </a:prstGeom>
+            <a:noFill/>
+          </p:spPr>
+          <p:txBody>
+            <a:bodyPr lIns="0" rIns="0" tIns="0" bIns="0" anchorCtr="1" anchor="ctr" wrap="none"/>
+            <a:lstStyle/>
+            <a:p>
+              <a:pPr algn="l" marL="0" marR="0" indent="0">
+                <a:lnSpc>
+                  <a:spcPts val="999"/>
+                </a:lnSpc>
+                <a:spcBef>
+                  <a:spcPts val="0"/>
+                </a:spcBef>
+                <a:spcAft>
+                  <a:spcPts val="0"/>
+                </a:spcAft>
+              </a:pPr>
+              <a:r>
+                <a:rPr sz="999" i="1">
+                  <a:solidFill>
+                    <a:srgbClr val="000000">
+                      <a:alpha val="100000"/>
+                    </a:srgbClr>
+                  </a:solidFill>
+                  <a:latin typeface="Arial"/>
+                  <a:cs typeface="Arial"/>
+                </a:rPr>
+                <a:t>less reportable employer super contributions.</a:t>
+              </a:r>
+            </a:p>
+          </p:txBody>
+        </p:sp>
+        <p:sp>
+          <p:nvSpPr>
+            <p:cNvPr id="120" name="tx118"/>
+            <p:cNvSpPr/>
+            <p:nvPr/>
+          </p:nvSpPr>
+          <p:spPr>
+            <a:xfrm>
+              <a:off x="852576" y="6695431"/>
+              <a:ext cx="2094457" cy="117580"/>
+            </a:xfrm>
+            <a:prstGeom prst="rect">
+              <a:avLst/>
+            </a:prstGeom>
+            <a:noFill/>
+          </p:spPr>
+          <p:txBody>
+            <a:bodyPr lIns="0" rIns="0" tIns="0" bIns="0" anchorCtr="1" anchor="ctr" wrap="none"/>
+            <a:lstStyle/>
+            <a:p>
+              <a:pPr algn="l" marL="0" marR="0" indent="0">
+                <a:lnSpc>
+                  <a:spcPts val="999"/>
+                </a:lnSpc>
+                <a:spcBef>
+                  <a:spcPts val="0"/>
+                </a:spcBef>
+                <a:spcAft>
+                  <a:spcPts val="0"/>
+                </a:spcAft>
+              </a:pPr>
+              <a:r>
+                <a:rPr sz="999" i="1">
+                  <a:solidFill>
+                    <a:srgbClr val="000000">
+                      <a:alpha val="100000"/>
+                    </a:srgbClr>
+                  </a:solidFill>
+                  <a:latin typeface="Arial"/>
+                  <a:cs typeface="Arial"/>
+                </a:rPr>
+                <a:t>Source: ATO 2017-18 2% sample file</a:t>
               </a:r>
             </a:p>
           </p:txBody>
